--- a/CPSC-24700/Presentations/session-42.pptx
+++ b/CPSC-24700/Presentations/session-42.pptx
@@ -114,6 +114,10 @@
     </p:ext>
   </p:extLst>
 </p:presentation>
+</file>
+
+<file path=ppt/revisionInfo.xml><?xml version="1.0" encoding="utf-8"?>
+<p1510:revInfo xmlns:a="http://schemas.openxmlformats.org/drawingml/2006/main" xmlns:r="http://schemas.openxmlformats.org/officeDocument/2006/relationships" xmlns:p1510="http://schemas.microsoft.com/office/powerpoint/2015/10/main"/>
 </file>
 
 <file path=ppt/notesMasters/notesMaster1.xml><?xml version="1.0" encoding="utf-8"?>
@@ -3954,8 +3958,13 @@
             </a:pPr>
             <a:r>
               <a:rPr lang="en-US" sz="2000" dirty="0"/>
-              <a:t>Quiz 6 Also Available Until 6pm</a:t>
-            </a:r>
+              <a:t>Quiz 6 Also Available </a:t>
+            </a:r>
+            <a:r>
+              <a:rPr lang="en-US" sz="2000"/>
+              <a:t>Until 4pm</a:t>
+            </a:r>
+            <a:endParaRPr lang="en-US" sz="2000" dirty="0"/>
           </a:p>
           <a:p>
             <a:pPr marL="457200" indent="-457200">
